--- a/Präsentation_Grey.pptx
+++ b/Präsentation_Grey.pptx
@@ -112,7 +112,7 @@
   </p:defaultTextStyle>
   <p:extLst>
     <p:ext uri="{EFAFB233-063F-42B5-8137-9DF3F51BA10A}">
-      <p15:sldGuideLst xmlns:p15="http://schemas.microsoft.com/office/powerpoint/2012/main" xmlns="">
+      <p15:sldGuideLst xmlns:p15="http://schemas.microsoft.com/office/powerpoint/2012/main">
         <p15:guide id="1" orient="horz" pos="2160">
           <p15:clr>
             <a:srgbClr val="A4A3A4"/>
@@ -3220,7 +3220,7 @@
         </p:blipFill>
         <p:spPr>
           <a:xfrm>
-            <a:off x="0" y="0"/>
+            <a:off x="0" y="-38637"/>
             <a:ext cx="9144000" cy="5141141"/>
           </a:xfrm>
           <a:prstGeom prst="rect">
@@ -3348,8 +3348,10 @@
                 <a:latin typeface="Arial" panose="020B0604020202020204" pitchFamily="34" charset="0"/>
                 <a:cs typeface="Arial" panose="020B0604020202020204" pitchFamily="34" charset="0"/>
               </a:rPr>
-              <a:t>Thema: </a:t>
-            </a:r>
+              <a:t>Thema: Game</a:t>
+            </a:r>
+          </a:p>
+          <a:p>
             <a:r>
               <a:rPr lang="de-DE" sz="2400" dirty="0" smtClean="0">
                 <a:solidFill>
@@ -3358,36 +3360,7 @@
                 <a:latin typeface="Arial" panose="020B0604020202020204" pitchFamily="34" charset="0"/>
                 <a:cs typeface="Arial" panose="020B0604020202020204" pitchFamily="34" charset="0"/>
               </a:rPr>
-              <a:t>Game</a:t>
-            </a:r>
-            <a:endParaRPr lang="de-DE" sz="2400" dirty="0" smtClean="0">
-              <a:solidFill>
-                <a:schemeClr val="bg1"/>
-              </a:solidFill>
-              <a:latin typeface="Arial" panose="020B0604020202020204" pitchFamily="34" charset="0"/>
-              <a:cs typeface="Arial" panose="020B0604020202020204" pitchFamily="34" charset="0"/>
-            </a:endParaRPr>
-          </a:p>
-          <a:p>
-            <a:r>
-              <a:rPr lang="de-DE" sz="2400" dirty="0" smtClean="0">
-                <a:solidFill>
-                  <a:schemeClr val="bg1"/>
-                </a:solidFill>
-                <a:latin typeface="Arial" panose="020B0604020202020204" pitchFamily="34" charset="0"/>
-                <a:cs typeface="Arial" panose="020B0604020202020204" pitchFamily="34" charset="0"/>
-              </a:rPr>
-              <a:t>Gruppe: </a:t>
-            </a:r>
-            <a:r>
-              <a:rPr lang="de-DE" sz="2400" dirty="0" smtClean="0">
-                <a:solidFill>
-                  <a:schemeClr val="bg1"/>
-                </a:solidFill>
-                <a:latin typeface="Arial" panose="020B0604020202020204" pitchFamily="34" charset="0"/>
-                <a:cs typeface="Arial" panose="020B0604020202020204" pitchFamily="34" charset="0"/>
-              </a:rPr>
-              <a:t>Grey</a:t>
+              <a:t>Gruppe: Grey</a:t>
             </a:r>
             <a:endParaRPr lang="de-DE" sz="2400" dirty="0">
               <a:solidFill>
@@ -3433,6 +3406,13 @@
   <p:clrMapOvr>
     <a:masterClrMapping/>
   </p:clrMapOvr>
+  <p:timing>
+    <p:tnLst>
+      <p:par>
+        <p:cTn id="1" dur="indefinite" restart="never" nodeType="tmRoot"/>
+      </p:par>
+    </p:tnLst>
+  </p:timing>
 </p:sld>
 </file>
 
@@ -3510,7 +3490,7 @@
         </p:blipFill>
         <p:spPr>
           <a:xfrm rot="21434841">
-            <a:off x="185301" y="1327205"/>
+            <a:off x="177970" y="1584757"/>
             <a:ext cx="4240299" cy="3199913"/>
           </a:xfrm>
           <a:prstGeom prst="rect">
@@ -3558,6 +3538,13 @@
   <p:clrMapOvr>
     <a:masterClrMapping/>
   </p:clrMapOvr>
+  <p:timing>
+    <p:tnLst>
+      <p:par>
+        <p:cTn id="1" dur="indefinite" restart="never" nodeType="tmRoot"/>
+      </p:par>
+    </p:tnLst>
+  </p:timing>
 </p:sld>
 </file>
 
@@ -3677,6 +3664,13 @@
   <p:clrMapOvr>
     <a:masterClrMapping/>
   </p:clrMapOvr>
+  <p:timing>
+    <p:tnLst>
+      <p:par>
+        <p:cTn id="1" dur="indefinite" restart="never" nodeType="tmRoot"/>
+      </p:par>
+    </p:tnLst>
+  </p:timing>
 </p:sld>
 </file>
 
@@ -3764,6 +3758,13 @@
   <p:clrMapOvr>
     <a:masterClrMapping/>
   </p:clrMapOvr>
+  <p:timing>
+    <p:tnLst>
+      <p:par>
+        <p:cTn id="1" dur="indefinite" restart="never" nodeType="tmRoot"/>
+      </p:par>
+    </p:tnLst>
+  </p:timing>
 </p:sld>
 </file>
 
